--- a/files/Headers.pptx
+++ b/files/Headers.pptx
@@ -4400,8 +4400,8 @@
         </p:nvSpPr>
         <p:spPr>
           <a:xfrm>
-            <a:off x="7024370" y="2954655"/>
-            <a:ext cx="2715895" cy="368300"/>
+            <a:off x="7802245" y="3140710"/>
+            <a:ext cx="1607185" cy="368300"/>
           </a:xfrm>
           <a:prstGeom prst="rect">
             <a:avLst/>
@@ -4429,14 +4429,14 @@
           <p:cNvPr id="17" name="肘形连接符 16"/>
           <p:cNvCxnSpPr>
             <a:stCxn id="8" idx="2"/>
-            <a:endCxn id="22" idx="1"/>
+            <a:endCxn id="3" idx="1"/>
           </p:cNvCxnSpPr>
           <p:nvPr/>
         </p:nvCxnSpPr>
         <p:spPr>
           <a:xfrm rot="5400000" flipV="1">
-            <a:off x="2116455" y="2386330"/>
-            <a:ext cx="515620" cy="1357630"/>
+            <a:off x="1633538" y="2869248"/>
+            <a:ext cx="515620" cy="391795"/>
           </a:xfrm>
           <a:prstGeom prst="bentConnector2">
             <a:avLst/>
@@ -4471,8 +4471,8 @@
         </p:nvCxnSpPr>
         <p:spPr>
           <a:xfrm rot="5400000">
-            <a:off x="9476423" y="2450783"/>
-            <a:ext cx="951865" cy="424180"/>
+            <a:off x="9217978" y="2378393"/>
+            <a:ext cx="1137920" cy="755015"/>
           </a:xfrm>
           <a:prstGeom prst="bentConnector2">
             <a:avLst/>
@@ -4572,8 +4572,8 @@
         </p:nvSpPr>
         <p:spPr>
           <a:xfrm>
-            <a:off x="3053080" y="3138805"/>
-            <a:ext cx="2715895" cy="368300"/>
+            <a:off x="3348355" y="3138805"/>
+            <a:ext cx="1192530" cy="368300"/>
           </a:xfrm>
           <a:prstGeom prst="rect">
             <a:avLst/>
@@ -4604,8 +4604,8 @@
         </p:nvSpPr>
         <p:spPr>
           <a:xfrm>
-            <a:off x="7024370" y="4344670"/>
-            <a:ext cx="2715895" cy="368300"/>
+            <a:off x="7524750" y="4344670"/>
+            <a:ext cx="2162175" cy="368300"/>
           </a:xfrm>
           <a:prstGeom prst="rect">
             <a:avLst/>
@@ -4639,11 +4639,185 @@
         </p:nvCxnSpPr>
         <p:spPr>
           <a:xfrm rot="5400000" flipV="1">
-            <a:off x="7871778" y="3833813"/>
-            <a:ext cx="1021715" cy="3175"/>
+            <a:off x="8188325" y="3926840"/>
+            <a:ext cx="835660" cy="3175"/>
           </a:xfrm>
           <a:prstGeom prst="bentConnector2">
             <a:avLst/>
+          </a:prstGeom>
+          <a:ln>
+            <a:tailEnd type="arrow"/>
+          </a:ln>
+        </p:spPr>
+        <p:style>
+          <a:lnRef idx="2">
+            <a:schemeClr val="accent1"/>
+          </a:lnRef>
+          <a:fillRef idx="0">
+            <a:srgbClr val="FFFFFF"/>
+          </a:fillRef>
+          <a:effectRef idx="0">
+            <a:srgbClr val="FFFFFF"/>
+          </a:effectRef>
+          <a:fontRef idx="minor">
+            <a:schemeClr val="tx1"/>
+          </a:fontRef>
+        </p:style>
+      </p:cxnSp>
+      <p:cxnSp>
+        <p:nvCxnSpPr>
+          <p:cNvPr id="2" name="肘形连接符 1"/>
+          <p:cNvCxnSpPr>
+            <a:stCxn id="22" idx="3"/>
+            <a:endCxn id="4" idx="1"/>
+          </p:cNvCxnSpPr>
+          <p:nvPr/>
+        </p:nvCxnSpPr>
+        <p:spPr>
+          <a:xfrm>
+            <a:off x="4540885" y="3322955"/>
+            <a:ext cx="514985" cy="3175"/>
+          </a:xfrm>
+          <a:prstGeom prst="bentConnector2">
+            <a:avLst/>
+          </a:prstGeom>
+          <a:ln>
+            <a:tailEnd type="arrow"/>
+          </a:ln>
+        </p:spPr>
+        <p:style>
+          <a:lnRef idx="2">
+            <a:schemeClr val="accent1"/>
+          </a:lnRef>
+          <a:fillRef idx="0">
+            <a:srgbClr val="FFFFFF"/>
+          </a:fillRef>
+          <a:effectRef idx="0">
+            <a:srgbClr val="FFFFFF"/>
+          </a:effectRef>
+          <a:fontRef idx="minor">
+            <a:schemeClr val="tx1"/>
+          </a:fontRef>
+        </p:style>
+      </p:cxnSp>
+      <p:sp>
+        <p:nvSpPr>
+          <p:cNvPr id="3" name="文本框 2"/>
+          <p:cNvSpPr txBox="1"/>
+          <p:nvPr/>
+        </p:nvSpPr>
+        <p:spPr>
+          <a:xfrm>
+            <a:off x="2087245" y="3138805"/>
+            <a:ext cx="876935" cy="368300"/>
+          </a:xfrm>
+          <a:prstGeom prst="rect">
+            <a:avLst/>
+          </a:prstGeom>
+          <a:noFill/>
+        </p:spPr>
+        <p:txBody>
+          <a:bodyPr wrap="square" rtlCol="0">
+            <a:spAutoFit/>
+          </a:bodyPr>
+          <a:p>
+            <a:pPr algn="ctr"/>
+            <a:r>
+              <a:rPr lang="x-none" altLang="zh-CN">
+                <a:sym typeface="+mn-ea"/>
+              </a:rPr>
+              <a:t>BLAS</a:t>
+            </a:r>
+            <a:endParaRPr lang="x-none" altLang="zh-CN"/>
+          </a:p>
+        </p:txBody>
+      </p:sp>
+      <p:sp>
+        <p:nvSpPr>
+          <p:cNvPr id="4" name="文本框 3"/>
+          <p:cNvSpPr txBox="1"/>
+          <p:nvPr/>
+        </p:nvSpPr>
+        <p:spPr>
+          <a:xfrm>
+            <a:off x="5055870" y="3138805"/>
+            <a:ext cx="1038860" cy="368300"/>
+          </a:xfrm>
+          <a:prstGeom prst="rect">
+            <a:avLst/>
+          </a:prstGeom>
+          <a:noFill/>
+        </p:spPr>
+        <p:txBody>
+          <a:bodyPr wrap="square" rtlCol="0">
+            <a:spAutoFit/>
+          </a:bodyPr>
+          <a:p>
+            <a:pPr algn="ctr"/>
+            <a:r>
+              <a:rPr lang="x-none" altLang="zh-CN">
+                <a:sym typeface="+mn-ea"/>
+              </a:rPr>
+              <a:t>TLAS</a:t>
+            </a:r>
+            <a:endParaRPr lang="x-none" altLang="zh-CN"/>
+          </a:p>
+        </p:txBody>
+      </p:sp>
+      <p:cxnSp>
+        <p:nvCxnSpPr>
+          <p:cNvPr id="5" name="肘形连接符 4"/>
+          <p:cNvCxnSpPr>
+            <a:stCxn id="3" idx="3"/>
+            <a:endCxn id="22" idx="1"/>
+          </p:cNvCxnSpPr>
+          <p:nvPr/>
+        </p:nvCxnSpPr>
+        <p:spPr>
+          <a:xfrm>
+            <a:off x="2964180" y="3322955"/>
+            <a:ext cx="384175" cy="3175"/>
+          </a:xfrm>
+          <a:prstGeom prst="bentConnector2">
+            <a:avLst/>
+          </a:prstGeom>
+          <a:ln>
+            <a:tailEnd type="arrow"/>
+          </a:ln>
+        </p:spPr>
+        <p:style>
+          <a:lnRef idx="2">
+            <a:schemeClr val="accent1"/>
+          </a:lnRef>
+          <a:fillRef idx="0">
+            <a:srgbClr val="FFFFFF"/>
+          </a:fillRef>
+          <a:effectRef idx="0">
+            <a:srgbClr val="FFFFFF"/>
+          </a:effectRef>
+          <a:fontRef idx="minor">
+            <a:schemeClr val="tx1"/>
+          </a:fontRef>
+        </p:style>
+      </p:cxnSp>
+      <p:cxnSp>
+        <p:nvCxnSpPr>
+          <p:cNvPr id="14" name="肘形连接符 13"/>
+          <p:cNvCxnSpPr>
+            <a:stCxn id="4" idx="3"/>
+            <a:endCxn id="16" idx="1"/>
+          </p:cNvCxnSpPr>
+          <p:nvPr/>
+        </p:nvCxnSpPr>
+        <p:spPr>
+          <a:xfrm>
+            <a:off x="6094730" y="3322955"/>
+            <a:ext cx="1707515" cy="3175"/>
+          </a:xfrm>
+          <a:prstGeom prst="bentConnector3">
+            <a:avLst>
+              <a:gd name="adj1" fmla="val 50019"/>
+            </a:avLst>
           </a:prstGeom>
           <a:ln>
             <a:tailEnd type="arrow"/>
